--- a/02设计/V2.0 概要设计/实时预警系统多路一体机实现方案-wenbo-20170731.pptx
+++ b/02设计/V2.0 概要设计/实时预警系统多路一体机实现方案-wenbo-20170731.pptx
@@ -1,12 +1,15 @@
 
 <file path=ppt/presentation.xml><?xml version="1.0" encoding="utf-8"?>
-<p:presentation xmlns:a="http://schemas.openxmlformats.org/drawingml/2006/main" xmlns:r="http://schemas.openxmlformats.org/officeDocument/2006/relationships" xmlns:p="http://schemas.openxmlformats.org/presentationml/2006/main" saveSubsetFonts="1">
+<p:presentation xmlns:a="http://schemas.openxmlformats.org/drawingml/2006/main" xmlns:r="http://schemas.openxmlformats.org/officeDocument/2006/relationships" xmlns:p="http://schemas.openxmlformats.org/presentationml/2006/main">
   <p:sldMasterIdLst>
     <p:sldMasterId id="2147483648" r:id="rId1"/>
   </p:sldMasterIdLst>
+  <p:notesMasterIdLst>
+    <p:notesMasterId r:id="rId5"/>
+  </p:notesMasterIdLst>
   <p:sldIdLst>
-    <p:sldId id="258" r:id="rId2"/>
-    <p:sldId id="256" r:id="rId3"/>
+    <p:sldId id="260" r:id="rId3"/>
+    <p:sldId id="256" r:id="rId4"/>
   </p:sldIdLst>
   <p:sldSz cx="12192000" cy="6858000"/>
   <p:notesSz cx="6858000" cy="9144000"/>
@@ -105,12 +108,354 @@
       </a:defRPr>
     </a:lvl9pPr>
   </p:defaultTextStyle>
-  <p:extLst>
-    <p:ext uri="{EFAFB233-063F-42B5-8137-9DF3F51BA10A}">
-      <p15:sldGuideLst xmlns:p15="http://schemas.microsoft.com/office/powerpoint/2012/main"/>
-    </p:ext>
-  </p:extLst>
 </p:presentation>
+</file>
+
+<file path=ppt/notesMasters/notesMaster1.xml><?xml version="1.0" encoding="utf-8"?>
+<p:notesMaster xmlns:a="http://schemas.openxmlformats.org/drawingml/2006/main" xmlns:r="http://schemas.openxmlformats.org/officeDocument/2006/relationships" xmlns:p="http://schemas.openxmlformats.org/presentationml/2006/main">
+  <p:cSld>
+    <p:bg>
+      <p:bgRef idx="1001">
+        <a:schemeClr val="bg1"/>
+      </p:bgRef>
+    </p:bg>
+    <p:spTree>
+      <p:nvGrpSpPr>
+        <p:cNvPr id="1" name=""/>
+        <p:cNvGrpSpPr/>
+        <p:nvPr/>
+      </p:nvGrpSpPr>
+      <p:grpSpPr>
+        <a:xfrm>
+          <a:off x="0" y="0"/>
+          <a:ext cx="0" cy="0"/>
+          <a:chOff x="0" y="0"/>
+          <a:chExt cx="0" cy="0"/>
+        </a:xfrm>
+      </p:grpSpPr>
+      <p:sp>
+        <p:nvSpPr>
+          <p:cNvPr id="2" name="页眉占位符 1"/>
+          <p:cNvSpPr>
+            <a:spLocks noGrp="1"/>
+          </p:cNvSpPr>
+          <p:nvPr>
+            <p:ph type="hdr" sz="quarter"/>
+          </p:nvPr>
+        </p:nvSpPr>
+        <p:spPr>
+          <a:xfrm>
+            <a:off x="0" y="0"/>
+            <a:ext cx="2971800" cy="458788"/>
+          </a:xfrm>
+          <a:prstGeom prst="rect">
+            <a:avLst/>
+          </a:prstGeom>
+        </p:spPr>
+        <p:txBody>
+          <a:bodyPr vert="horz" lIns="91440" tIns="45720" rIns="91440" bIns="45720" rtlCol="0"/>
+          <a:lstStyle>
+            <a:lvl1pPr algn="l">
+              <a:defRPr sz="1200"/>
+            </a:lvl1pPr>
+          </a:lstStyle>
+          <a:p>
+            <a:endParaRPr lang="zh-CN" altLang="en-US"/>
+          </a:p>
+        </p:txBody>
+      </p:sp>
+      <p:sp>
+        <p:nvSpPr>
+          <p:cNvPr id="3" name="日期占位符 2"/>
+          <p:cNvSpPr>
+            <a:spLocks noGrp="1"/>
+          </p:cNvSpPr>
+          <p:nvPr>
+            <p:ph type="dt" idx="1"/>
+          </p:nvPr>
+        </p:nvSpPr>
+        <p:spPr>
+          <a:xfrm>
+            <a:off x="3884613" y="0"/>
+            <a:ext cx="2971800" cy="458788"/>
+          </a:xfrm>
+          <a:prstGeom prst="rect">
+            <a:avLst/>
+          </a:prstGeom>
+        </p:spPr>
+        <p:txBody>
+          <a:bodyPr vert="horz" lIns="91440" tIns="45720" rIns="91440" bIns="45720" rtlCol="0"/>
+          <a:lstStyle>
+            <a:lvl1pPr algn="r">
+              <a:defRPr sz="1200"/>
+            </a:lvl1pPr>
+          </a:lstStyle>
+          <a:p>
+            <a:fld id="{D2A48B96-639E-45A3-A0BA-2464DFDB1FAA}" type="datetimeFigureOut">
+              <a:rPr lang="zh-CN" altLang="en-US" smtClean="0"/>
+            </a:fld>
+            <a:endParaRPr lang="zh-CN" altLang="en-US"/>
+          </a:p>
+        </p:txBody>
+      </p:sp>
+      <p:sp>
+        <p:nvSpPr>
+          <p:cNvPr id="4" name="幻灯片图像占位符 3"/>
+          <p:cNvSpPr>
+            <a:spLocks noGrp="1" noRot="1" noChangeAspect="1"/>
+          </p:cNvSpPr>
+          <p:nvPr>
+            <p:ph type="sldImg" idx="2"/>
+          </p:nvPr>
+        </p:nvSpPr>
+        <p:spPr>
+          <a:xfrm>
+            <a:off x="685800" y="1143000"/>
+            <a:ext cx="5486400" cy="3086100"/>
+          </a:xfrm>
+          <a:prstGeom prst="rect">
+            <a:avLst/>
+          </a:prstGeom>
+          <a:noFill/>
+          <a:ln w="12700">
+            <a:solidFill>
+              <a:prstClr val="black"/>
+            </a:solidFill>
+          </a:ln>
+        </p:spPr>
+        <p:txBody>
+          <a:bodyPr vert="horz" lIns="91440" tIns="45720" rIns="91440" bIns="45720" rtlCol="0" anchor="ctr"/>
+          <a:lstStyle/>
+          <a:p>
+            <a:endParaRPr lang="zh-CN" altLang="en-US"/>
+          </a:p>
+        </p:txBody>
+      </p:sp>
+      <p:sp>
+        <p:nvSpPr>
+          <p:cNvPr id="5" name="备注占位符 4"/>
+          <p:cNvSpPr>
+            <a:spLocks noGrp="1"/>
+          </p:cNvSpPr>
+          <p:nvPr>
+            <p:ph type="body" sz="quarter" idx="3"/>
+          </p:nvPr>
+        </p:nvSpPr>
+        <p:spPr>
+          <a:xfrm>
+            <a:off x="685800" y="4400550"/>
+            <a:ext cx="5486400" cy="3600450"/>
+          </a:xfrm>
+          <a:prstGeom prst="rect">
+            <a:avLst/>
+          </a:prstGeom>
+        </p:spPr>
+        <p:txBody>
+          <a:bodyPr vert="horz" lIns="91440" tIns="45720" rIns="91440" bIns="45720" rtlCol="0"/>
+          <a:lstStyle/>
+          <a:p>
+            <a:pPr lvl="0"/>
+            <a:r>
+              <a:rPr lang="zh-CN" altLang="en-US" smtClean="0"/>
+              <a:t>单击此处编辑母版文本样式</a:t>
+            </a:r>
+            <a:endParaRPr lang="zh-CN" altLang="en-US" smtClean="0"/>
+          </a:p>
+          <a:p>
+            <a:pPr lvl="1"/>
+            <a:r>
+              <a:rPr lang="zh-CN" altLang="en-US" smtClean="0"/>
+              <a:t>第二级</a:t>
+            </a:r>
+            <a:endParaRPr lang="zh-CN" altLang="en-US" smtClean="0"/>
+          </a:p>
+          <a:p>
+            <a:pPr lvl="2"/>
+            <a:r>
+              <a:rPr lang="zh-CN" altLang="en-US" smtClean="0"/>
+              <a:t>第三级</a:t>
+            </a:r>
+            <a:endParaRPr lang="zh-CN" altLang="en-US" smtClean="0"/>
+          </a:p>
+          <a:p>
+            <a:pPr lvl="3"/>
+            <a:r>
+              <a:rPr lang="zh-CN" altLang="en-US" smtClean="0"/>
+              <a:t>第四级</a:t>
+            </a:r>
+            <a:endParaRPr lang="zh-CN" altLang="en-US" smtClean="0"/>
+          </a:p>
+          <a:p>
+            <a:pPr lvl="4"/>
+            <a:r>
+              <a:rPr lang="zh-CN" altLang="en-US" smtClean="0"/>
+              <a:t>第五级</a:t>
+            </a:r>
+            <a:endParaRPr lang="zh-CN" altLang="en-US"/>
+          </a:p>
+        </p:txBody>
+      </p:sp>
+      <p:sp>
+        <p:nvSpPr>
+          <p:cNvPr id="6" name="页脚占位符 5"/>
+          <p:cNvSpPr>
+            <a:spLocks noGrp="1"/>
+          </p:cNvSpPr>
+          <p:nvPr>
+            <p:ph type="ftr" sz="quarter" idx="4"/>
+          </p:nvPr>
+        </p:nvSpPr>
+        <p:spPr>
+          <a:xfrm>
+            <a:off x="0" y="8685213"/>
+            <a:ext cx="2971800" cy="458787"/>
+          </a:xfrm>
+          <a:prstGeom prst="rect">
+            <a:avLst/>
+          </a:prstGeom>
+        </p:spPr>
+        <p:txBody>
+          <a:bodyPr vert="horz" lIns="91440" tIns="45720" rIns="91440" bIns="45720" rtlCol="0" anchor="b"/>
+          <a:lstStyle>
+            <a:lvl1pPr algn="l">
+              <a:defRPr sz="1200"/>
+            </a:lvl1pPr>
+          </a:lstStyle>
+          <a:p>
+            <a:endParaRPr lang="zh-CN" altLang="en-US"/>
+          </a:p>
+        </p:txBody>
+      </p:sp>
+      <p:sp>
+        <p:nvSpPr>
+          <p:cNvPr id="7" name="灯片编号占位符 6"/>
+          <p:cNvSpPr>
+            <a:spLocks noGrp="1"/>
+          </p:cNvSpPr>
+          <p:nvPr>
+            <p:ph type="sldNum" sz="quarter" idx="5"/>
+          </p:nvPr>
+        </p:nvSpPr>
+        <p:spPr>
+          <a:xfrm>
+            <a:off x="3884613" y="8685213"/>
+            <a:ext cx="2971800" cy="458787"/>
+          </a:xfrm>
+          <a:prstGeom prst="rect">
+            <a:avLst/>
+          </a:prstGeom>
+        </p:spPr>
+        <p:txBody>
+          <a:bodyPr vert="horz" lIns="91440" tIns="45720" rIns="91440" bIns="45720" rtlCol="0" anchor="b"/>
+          <a:lstStyle>
+            <a:lvl1pPr algn="r">
+              <a:defRPr sz="1200"/>
+            </a:lvl1pPr>
+          </a:lstStyle>
+          <a:p>
+            <a:fld id="{A6837353-30EB-4A48-80EB-173D804AEFBD}" type="slidenum">
+              <a:rPr lang="zh-CN" altLang="en-US" smtClean="0"/>
+            </a:fld>
+            <a:endParaRPr lang="zh-CN" altLang="en-US"/>
+          </a:p>
+        </p:txBody>
+      </p:sp>
+    </p:spTree>
+  </p:cSld>
+  <p:clrMap bg1="lt1" tx1="dk1" bg2="lt2" tx2="dk2" accent1="accent1" accent2="accent2" accent3="accent3" accent4="accent4" accent5="accent5" accent6="accent6" hlink="hlink" folHlink="folHlink"/>
+  <p:notesStyle>
+    <a:lvl1pPr marL="0" algn="l" defTabSz="914400" rtl="0" eaLnBrk="1" latinLnBrk="0" hangingPunct="1">
+      <a:defRPr sz="1200" kern="1200">
+        <a:solidFill>
+          <a:schemeClr val="tx1"/>
+        </a:solidFill>
+        <a:latin typeface="+mn-lt"/>
+        <a:ea typeface="+mn-ea"/>
+        <a:cs typeface="+mn-cs"/>
+      </a:defRPr>
+    </a:lvl1pPr>
+    <a:lvl2pPr marL="457200" algn="l" defTabSz="914400" rtl="0" eaLnBrk="1" latinLnBrk="0" hangingPunct="1">
+      <a:defRPr sz="1200" kern="1200">
+        <a:solidFill>
+          <a:schemeClr val="tx1"/>
+        </a:solidFill>
+        <a:latin typeface="+mn-lt"/>
+        <a:ea typeface="+mn-ea"/>
+        <a:cs typeface="+mn-cs"/>
+      </a:defRPr>
+    </a:lvl2pPr>
+    <a:lvl3pPr marL="914400" algn="l" defTabSz="914400" rtl="0" eaLnBrk="1" latinLnBrk="0" hangingPunct="1">
+      <a:defRPr sz="1200" kern="1200">
+        <a:solidFill>
+          <a:schemeClr val="tx1"/>
+        </a:solidFill>
+        <a:latin typeface="+mn-lt"/>
+        <a:ea typeface="+mn-ea"/>
+        <a:cs typeface="+mn-cs"/>
+      </a:defRPr>
+    </a:lvl3pPr>
+    <a:lvl4pPr marL="1371600" algn="l" defTabSz="914400" rtl="0" eaLnBrk="1" latinLnBrk="0" hangingPunct="1">
+      <a:defRPr sz="1200" kern="1200">
+        <a:solidFill>
+          <a:schemeClr val="tx1"/>
+        </a:solidFill>
+        <a:latin typeface="+mn-lt"/>
+        <a:ea typeface="+mn-ea"/>
+        <a:cs typeface="+mn-cs"/>
+      </a:defRPr>
+    </a:lvl4pPr>
+    <a:lvl5pPr marL="1828800" algn="l" defTabSz="914400" rtl="0" eaLnBrk="1" latinLnBrk="0" hangingPunct="1">
+      <a:defRPr sz="1200" kern="1200">
+        <a:solidFill>
+          <a:schemeClr val="tx1"/>
+        </a:solidFill>
+        <a:latin typeface="+mn-lt"/>
+        <a:ea typeface="+mn-ea"/>
+        <a:cs typeface="+mn-cs"/>
+      </a:defRPr>
+    </a:lvl5pPr>
+    <a:lvl6pPr marL="2286000" algn="l" defTabSz="914400" rtl="0" eaLnBrk="1" latinLnBrk="0" hangingPunct="1">
+      <a:defRPr sz="1200" kern="1200">
+        <a:solidFill>
+          <a:schemeClr val="tx1"/>
+        </a:solidFill>
+        <a:latin typeface="+mn-lt"/>
+        <a:ea typeface="+mn-ea"/>
+        <a:cs typeface="+mn-cs"/>
+      </a:defRPr>
+    </a:lvl6pPr>
+    <a:lvl7pPr marL="2743200" algn="l" defTabSz="914400" rtl="0" eaLnBrk="1" latinLnBrk="0" hangingPunct="1">
+      <a:defRPr sz="1200" kern="1200">
+        <a:solidFill>
+          <a:schemeClr val="tx1"/>
+        </a:solidFill>
+        <a:latin typeface="+mn-lt"/>
+        <a:ea typeface="+mn-ea"/>
+        <a:cs typeface="+mn-cs"/>
+      </a:defRPr>
+    </a:lvl7pPr>
+    <a:lvl8pPr marL="3200400" algn="l" defTabSz="914400" rtl="0" eaLnBrk="1" latinLnBrk="0" hangingPunct="1">
+      <a:defRPr sz="1200" kern="1200">
+        <a:solidFill>
+          <a:schemeClr val="tx1"/>
+        </a:solidFill>
+        <a:latin typeface="+mn-lt"/>
+        <a:ea typeface="+mn-ea"/>
+        <a:cs typeface="+mn-cs"/>
+      </a:defRPr>
+    </a:lvl8pPr>
+    <a:lvl9pPr marL="3657600" algn="l" defTabSz="914400" rtl="0" eaLnBrk="1" latinLnBrk="0" hangingPunct="1">
+      <a:defRPr sz="1200" kern="1200">
+        <a:solidFill>
+          <a:schemeClr val="tx1"/>
+        </a:solidFill>
+        <a:latin typeface="+mn-lt"/>
+        <a:ea typeface="+mn-ea"/>
+        <a:cs typeface="+mn-cs"/>
+      </a:defRPr>
+    </a:lvl9pPr>
+  </p:notesStyle>
+</p:notesMaster>
 </file>
 
 <file path=ppt/slideLayouts/slideLayout1.xml><?xml version="1.0" encoding="utf-8"?>
@@ -244,7 +589,6 @@
           <a:p>
             <a:fld id="{9F648546-D93D-4394-A567-F8CA33CCA7E6}" type="datetimeFigureOut">
               <a:rPr lang="zh-CN" altLang="en-US" smtClean="0"/>
-              <a:t>2017/7/31</a:t>
             </a:fld>
             <a:endParaRPr lang="zh-CN" altLang="en-US"/>
           </a:p>
@@ -286,18 +630,12 @@
           <a:p>
             <a:fld id="{8F02D98E-7E38-4F61-B3D1-5BD40E4751E2}" type="slidenum">
               <a:rPr lang="zh-CN" altLang="en-US" smtClean="0"/>
-              <a:t>‹#›</a:t>
             </a:fld>
             <a:endParaRPr lang="zh-CN" altLang="en-US"/>
           </a:p>
         </p:txBody>
       </p:sp>
     </p:spTree>
-    <p:extLst>
-      <p:ext uri="{BB962C8B-B14F-4D97-AF65-F5344CB8AC3E}">
-        <p14:creationId xmlns:p14="http://schemas.microsoft.com/office/powerpoint/2010/main" val="1739910181"/>
-      </p:ext>
-    </p:extLst>
   </p:cSld>
   <p:clrMapOvr>
     <a:masterClrMapping/>
@@ -365,6 +703,7 @@
               <a:rPr lang="zh-CN" altLang="en-US" smtClean="0"/>
               <a:t>单击此处编辑母版文本样式</a:t>
             </a:r>
+            <a:endParaRPr lang="zh-CN" altLang="en-US" smtClean="0"/>
           </a:p>
           <a:p>
             <a:pPr lvl="1"/>
@@ -372,6 +711,7 @@
               <a:rPr lang="zh-CN" altLang="en-US" smtClean="0"/>
               <a:t>第二级</a:t>
             </a:r>
+            <a:endParaRPr lang="zh-CN" altLang="en-US" smtClean="0"/>
           </a:p>
           <a:p>
             <a:pPr lvl="2"/>
@@ -379,6 +719,7 @@
               <a:rPr lang="zh-CN" altLang="en-US" smtClean="0"/>
               <a:t>第三级</a:t>
             </a:r>
+            <a:endParaRPr lang="zh-CN" altLang="en-US" smtClean="0"/>
           </a:p>
           <a:p>
             <a:pPr lvl="3"/>
@@ -386,6 +727,7 @@
               <a:rPr lang="zh-CN" altLang="en-US" smtClean="0"/>
               <a:t>第四级</a:t>
             </a:r>
+            <a:endParaRPr lang="zh-CN" altLang="en-US" smtClean="0"/>
           </a:p>
           <a:p>
             <a:pPr lvl="4"/>
@@ -414,7 +756,6 @@
           <a:p>
             <a:fld id="{9F648546-D93D-4394-A567-F8CA33CCA7E6}" type="datetimeFigureOut">
               <a:rPr lang="zh-CN" altLang="en-US" smtClean="0"/>
-              <a:t>2017/7/31</a:t>
             </a:fld>
             <a:endParaRPr lang="zh-CN" altLang="en-US"/>
           </a:p>
@@ -456,18 +797,12 @@
           <a:p>
             <a:fld id="{8F02D98E-7E38-4F61-B3D1-5BD40E4751E2}" type="slidenum">
               <a:rPr lang="zh-CN" altLang="en-US" smtClean="0"/>
-              <a:t>‹#›</a:t>
             </a:fld>
             <a:endParaRPr lang="zh-CN" altLang="en-US"/>
           </a:p>
         </p:txBody>
       </p:sp>
     </p:spTree>
-    <p:extLst>
-      <p:ext uri="{BB962C8B-B14F-4D97-AF65-F5344CB8AC3E}">
-        <p14:creationId xmlns:p14="http://schemas.microsoft.com/office/powerpoint/2010/main" val="32660706"/>
-      </p:ext>
-    </p:extLst>
   </p:cSld>
   <p:clrMapOvr>
     <a:masterClrMapping/>
@@ -545,6 +880,7 @@
               <a:rPr lang="zh-CN" altLang="en-US" smtClean="0"/>
               <a:t>单击此处编辑母版文本样式</a:t>
             </a:r>
+            <a:endParaRPr lang="zh-CN" altLang="en-US" smtClean="0"/>
           </a:p>
           <a:p>
             <a:pPr lvl="1"/>
@@ -552,6 +888,7 @@
               <a:rPr lang="zh-CN" altLang="en-US" smtClean="0"/>
               <a:t>第二级</a:t>
             </a:r>
+            <a:endParaRPr lang="zh-CN" altLang="en-US" smtClean="0"/>
           </a:p>
           <a:p>
             <a:pPr lvl="2"/>
@@ -559,6 +896,7 @@
               <a:rPr lang="zh-CN" altLang="en-US" smtClean="0"/>
               <a:t>第三级</a:t>
             </a:r>
+            <a:endParaRPr lang="zh-CN" altLang="en-US" smtClean="0"/>
           </a:p>
           <a:p>
             <a:pPr lvl="3"/>
@@ -566,6 +904,7 @@
               <a:rPr lang="zh-CN" altLang="en-US" smtClean="0"/>
               <a:t>第四级</a:t>
             </a:r>
+            <a:endParaRPr lang="zh-CN" altLang="en-US" smtClean="0"/>
           </a:p>
           <a:p>
             <a:pPr lvl="4"/>
@@ -594,7 +933,6 @@
           <a:p>
             <a:fld id="{9F648546-D93D-4394-A567-F8CA33CCA7E6}" type="datetimeFigureOut">
               <a:rPr lang="zh-CN" altLang="en-US" smtClean="0"/>
-              <a:t>2017/7/31</a:t>
             </a:fld>
             <a:endParaRPr lang="zh-CN" altLang="en-US"/>
           </a:p>
@@ -636,18 +974,12 @@
           <a:p>
             <a:fld id="{8F02D98E-7E38-4F61-B3D1-5BD40E4751E2}" type="slidenum">
               <a:rPr lang="zh-CN" altLang="en-US" smtClean="0"/>
-              <a:t>‹#›</a:t>
             </a:fld>
             <a:endParaRPr lang="zh-CN" altLang="en-US"/>
           </a:p>
         </p:txBody>
       </p:sp>
     </p:spTree>
-    <p:extLst>
-      <p:ext uri="{BB962C8B-B14F-4D97-AF65-F5344CB8AC3E}">
-        <p14:creationId xmlns:p14="http://schemas.microsoft.com/office/powerpoint/2010/main" val="3925340755"/>
-      </p:ext>
-    </p:extLst>
   </p:cSld>
   <p:clrMapOvr>
     <a:masterClrMapping/>
@@ -715,6 +1047,7 @@
               <a:rPr lang="zh-CN" altLang="en-US" smtClean="0"/>
               <a:t>单击此处编辑母版文本样式</a:t>
             </a:r>
+            <a:endParaRPr lang="zh-CN" altLang="en-US" smtClean="0"/>
           </a:p>
           <a:p>
             <a:pPr lvl="1"/>
@@ -722,6 +1055,7 @@
               <a:rPr lang="zh-CN" altLang="en-US" smtClean="0"/>
               <a:t>第二级</a:t>
             </a:r>
+            <a:endParaRPr lang="zh-CN" altLang="en-US" smtClean="0"/>
           </a:p>
           <a:p>
             <a:pPr lvl="2"/>
@@ -729,6 +1063,7 @@
               <a:rPr lang="zh-CN" altLang="en-US" smtClean="0"/>
               <a:t>第三级</a:t>
             </a:r>
+            <a:endParaRPr lang="zh-CN" altLang="en-US" smtClean="0"/>
           </a:p>
           <a:p>
             <a:pPr lvl="3"/>
@@ -736,6 +1071,7 @@
               <a:rPr lang="zh-CN" altLang="en-US" smtClean="0"/>
               <a:t>第四级</a:t>
             </a:r>
+            <a:endParaRPr lang="zh-CN" altLang="en-US" smtClean="0"/>
           </a:p>
           <a:p>
             <a:pPr lvl="4"/>
@@ -764,7 +1100,6 @@
           <a:p>
             <a:fld id="{9F648546-D93D-4394-A567-F8CA33CCA7E6}" type="datetimeFigureOut">
               <a:rPr lang="zh-CN" altLang="en-US" smtClean="0"/>
-              <a:t>2017/7/31</a:t>
             </a:fld>
             <a:endParaRPr lang="zh-CN" altLang="en-US"/>
           </a:p>
@@ -806,18 +1141,12 @@
           <a:p>
             <a:fld id="{8F02D98E-7E38-4F61-B3D1-5BD40E4751E2}" type="slidenum">
               <a:rPr lang="zh-CN" altLang="en-US" smtClean="0"/>
-              <a:t>‹#›</a:t>
             </a:fld>
             <a:endParaRPr lang="zh-CN" altLang="en-US"/>
           </a:p>
         </p:txBody>
       </p:sp>
     </p:spTree>
-    <p:extLst>
-      <p:ext uri="{BB962C8B-B14F-4D97-AF65-F5344CB8AC3E}">
-        <p14:creationId xmlns:p14="http://schemas.microsoft.com/office/powerpoint/2010/main" val="4036548546"/>
-      </p:ext>
-    </p:extLst>
   </p:cSld>
   <p:clrMapOvr>
     <a:masterClrMapping/>
@@ -990,6 +1319,7 @@
               <a:rPr lang="zh-CN" altLang="en-US" smtClean="0"/>
               <a:t>单击此处编辑母版文本样式</a:t>
             </a:r>
+            <a:endParaRPr lang="zh-CN" altLang="en-US" smtClean="0"/>
           </a:p>
         </p:txBody>
       </p:sp>
@@ -1010,7 +1340,6 @@
           <a:p>
             <a:fld id="{9F648546-D93D-4394-A567-F8CA33CCA7E6}" type="datetimeFigureOut">
               <a:rPr lang="zh-CN" altLang="en-US" smtClean="0"/>
-              <a:t>2017/7/31</a:t>
             </a:fld>
             <a:endParaRPr lang="zh-CN" altLang="en-US"/>
           </a:p>
@@ -1052,18 +1381,12 @@
           <a:p>
             <a:fld id="{8F02D98E-7E38-4F61-B3D1-5BD40E4751E2}" type="slidenum">
               <a:rPr lang="zh-CN" altLang="en-US" smtClean="0"/>
-              <a:t>‹#›</a:t>
             </a:fld>
             <a:endParaRPr lang="zh-CN" altLang="en-US"/>
           </a:p>
         </p:txBody>
       </p:sp>
     </p:spTree>
-    <p:extLst>
-      <p:ext uri="{BB962C8B-B14F-4D97-AF65-F5344CB8AC3E}">
-        <p14:creationId xmlns:p14="http://schemas.microsoft.com/office/powerpoint/2010/main" val="1462037189"/>
-      </p:ext>
-    </p:extLst>
   </p:cSld>
   <p:clrMapOvr>
     <a:masterClrMapping/>
@@ -1136,6 +1459,7 @@
               <a:rPr lang="zh-CN" altLang="en-US" smtClean="0"/>
               <a:t>单击此处编辑母版文本样式</a:t>
             </a:r>
+            <a:endParaRPr lang="zh-CN" altLang="en-US" smtClean="0"/>
           </a:p>
           <a:p>
             <a:pPr lvl="1"/>
@@ -1143,6 +1467,7 @@
               <a:rPr lang="zh-CN" altLang="en-US" smtClean="0"/>
               <a:t>第二级</a:t>
             </a:r>
+            <a:endParaRPr lang="zh-CN" altLang="en-US" smtClean="0"/>
           </a:p>
           <a:p>
             <a:pPr lvl="2"/>
@@ -1150,6 +1475,7 @@
               <a:rPr lang="zh-CN" altLang="en-US" smtClean="0"/>
               <a:t>第三级</a:t>
             </a:r>
+            <a:endParaRPr lang="zh-CN" altLang="en-US" smtClean="0"/>
           </a:p>
           <a:p>
             <a:pPr lvl="3"/>
@@ -1157,6 +1483,7 @@
               <a:rPr lang="zh-CN" altLang="en-US" smtClean="0"/>
               <a:t>第四级</a:t>
             </a:r>
+            <a:endParaRPr lang="zh-CN" altLang="en-US" smtClean="0"/>
           </a:p>
           <a:p>
             <a:pPr lvl="4"/>
@@ -1193,6 +1520,7 @@
               <a:rPr lang="zh-CN" altLang="en-US" smtClean="0"/>
               <a:t>单击此处编辑母版文本样式</a:t>
             </a:r>
+            <a:endParaRPr lang="zh-CN" altLang="en-US" smtClean="0"/>
           </a:p>
           <a:p>
             <a:pPr lvl="1"/>
@@ -1200,6 +1528,7 @@
               <a:rPr lang="zh-CN" altLang="en-US" smtClean="0"/>
               <a:t>第二级</a:t>
             </a:r>
+            <a:endParaRPr lang="zh-CN" altLang="en-US" smtClean="0"/>
           </a:p>
           <a:p>
             <a:pPr lvl="2"/>
@@ -1207,6 +1536,7 @@
               <a:rPr lang="zh-CN" altLang="en-US" smtClean="0"/>
               <a:t>第三级</a:t>
             </a:r>
+            <a:endParaRPr lang="zh-CN" altLang="en-US" smtClean="0"/>
           </a:p>
           <a:p>
             <a:pPr lvl="3"/>
@@ -1214,6 +1544,7 @@
               <a:rPr lang="zh-CN" altLang="en-US" smtClean="0"/>
               <a:t>第四级</a:t>
             </a:r>
+            <a:endParaRPr lang="zh-CN" altLang="en-US" smtClean="0"/>
           </a:p>
           <a:p>
             <a:pPr lvl="4"/>
@@ -1242,7 +1573,6 @@
           <a:p>
             <a:fld id="{9F648546-D93D-4394-A567-F8CA33CCA7E6}" type="datetimeFigureOut">
               <a:rPr lang="zh-CN" altLang="en-US" smtClean="0"/>
-              <a:t>2017/7/31</a:t>
             </a:fld>
             <a:endParaRPr lang="zh-CN" altLang="en-US"/>
           </a:p>
@@ -1284,18 +1614,12 @@
           <a:p>
             <a:fld id="{8F02D98E-7E38-4F61-B3D1-5BD40E4751E2}" type="slidenum">
               <a:rPr lang="zh-CN" altLang="en-US" smtClean="0"/>
-              <a:t>‹#›</a:t>
             </a:fld>
             <a:endParaRPr lang="zh-CN" altLang="en-US"/>
           </a:p>
         </p:txBody>
       </p:sp>
     </p:spTree>
-    <p:extLst>
-      <p:ext uri="{BB962C8B-B14F-4D97-AF65-F5344CB8AC3E}">
-        <p14:creationId xmlns:p14="http://schemas.microsoft.com/office/powerpoint/2010/main" val="2094793655"/>
-      </p:ext>
-    </p:extLst>
   </p:cSld>
   <p:clrMapOvr>
     <a:masterClrMapping/>
@@ -1410,6 +1734,7 @@
               <a:rPr lang="zh-CN" altLang="en-US" smtClean="0"/>
               <a:t>单击此处编辑母版文本样式</a:t>
             </a:r>
+            <a:endParaRPr lang="zh-CN" altLang="en-US" smtClean="0"/>
           </a:p>
         </p:txBody>
       </p:sp>
@@ -1438,6 +1763,7 @@
               <a:rPr lang="zh-CN" altLang="en-US" smtClean="0"/>
               <a:t>单击此处编辑母版文本样式</a:t>
             </a:r>
+            <a:endParaRPr lang="zh-CN" altLang="en-US" smtClean="0"/>
           </a:p>
           <a:p>
             <a:pPr lvl="1"/>
@@ -1445,6 +1771,7 @@
               <a:rPr lang="zh-CN" altLang="en-US" smtClean="0"/>
               <a:t>第二级</a:t>
             </a:r>
+            <a:endParaRPr lang="zh-CN" altLang="en-US" smtClean="0"/>
           </a:p>
           <a:p>
             <a:pPr lvl="2"/>
@@ -1452,6 +1779,7 @@
               <a:rPr lang="zh-CN" altLang="en-US" smtClean="0"/>
               <a:t>第三级</a:t>
             </a:r>
+            <a:endParaRPr lang="zh-CN" altLang="en-US" smtClean="0"/>
           </a:p>
           <a:p>
             <a:pPr lvl="3"/>
@@ -1459,6 +1787,7 @@
               <a:rPr lang="zh-CN" altLang="en-US" smtClean="0"/>
               <a:t>第四级</a:t>
             </a:r>
+            <a:endParaRPr lang="zh-CN" altLang="en-US" smtClean="0"/>
           </a:p>
           <a:p>
             <a:pPr lvl="4"/>
@@ -1532,6 +1861,7 @@
               <a:rPr lang="zh-CN" altLang="en-US" smtClean="0"/>
               <a:t>单击此处编辑母版文本样式</a:t>
             </a:r>
+            <a:endParaRPr lang="zh-CN" altLang="en-US" smtClean="0"/>
           </a:p>
         </p:txBody>
       </p:sp>
@@ -1560,6 +1890,7 @@
               <a:rPr lang="zh-CN" altLang="en-US" smtClean="0"/>
               <a:t>单击此处编辑母版文本样式</a:t>
             </a:r>
+            <a:endParaRPr lang="zh-CN" altLang="en-US" smtClean="0"/>
           </a:p>
           <a:p>
             <a:pPr lvl="1"/>
@@ -1567,6 +1898,7 @@
               <a:rPr lang="zh-CN" altLang="en-US" smtClean="0"/>
               <a:t>第二级</a:t>
             </a:r>
+            <a:endParaRPr lang="zh-CN" altLang="en-US" smtClean="0"/>
           </a:p>
           <a:p>
             <a:pPr lvl="2"/>
@@ -1574,6 +1906,7 @@
               <a:rPr lang="zh-CN" altLang="en-US" smtClean="0"/>
               <a:t>第三级</a:t>
             </a:r>
+            <a:endParaRPr lang="zh-CN" altLang="en-US" smtClean="0"/>
           </a:p>
           <a:p>
             <a:pPr lvl="3"/>
@@ -1581,6 +1914,7 @@
               <a:rPr lang="zh-CN" altLang="en-US" smtClean="0"/>
               <a:t>第四级</a:t>
             </a:r>
+            <a:endParaRPr lang="zh-CN" altLang="en-US" smtClean="0"/>
           </a:p>
           <a:p>
             <a:pPr lvl="4"/>
@@ -1609,7 +1943,6 @@
           <a:p>
             <a:fld id="{9F648546-D93D-4394-A567-F8CA33CCA7E6}" type="datetimeFigureOut">
               <a:rPr lang="zh-CN" altLang="en-US" smtClean="0"/>
-              <a:t>2017/7/31</a:t>
             </a:fld>
             <a:endParaRPr lang="zh-CN" altLang="en-US"/>
           </a:p>
@@ -1651,18 +1984,12 @@
           <a:p>
             <a:fld id="{8F02D98E-7E38-4F61-B3D1-5BD40E4751E2}" type="slidenum">
               <a:rPr lang="zh-CN" altLang="en-US" smtClean="0"/>
-              <a:t>‹#›</a:t>
             </a:fld>
             <a:endParaRPr lang="zh-CN" altLang="en-US"/>
           </a:p>
         </p:txBody>
       </p:sp>
     </p:spTree>
-    <p:extLst>
-      <p:ext uri="{BB962C8B-B14F-4D97-AF65-F5344CB8AC3E}">
-        <p14:creationId xmlns:p14="http://schemas.microsoft.com/office/powerpoint/2010/main" val="2932961066"/>
-      </p:ext>
-    </p:extLst>
   </p:cSld>
   <p:clrMapOvr>
     <a:masterClrMapping/>
@@ -1727,7 +2054,6 @@
           <a:p>
             <a:fld id="{9F648546-D93D-4394-A567-F8CA33CCA7E6}" type="datetimeFigureOut">
               <a:rPr lang="zh-CN" altLang="en-US" smtClean="0"/>
-              <a:t>2017/7/31</a:t>
             </a:fld>
             <a:endParaRPr lang="zh-CN" altLang="en-US"/>
           </a:p>
@@ -1769,18 +2095,12 @@
           <a:p>
             <a:fld id="{8F02D98E-7E38-4F61-B3D1-5BD40E4751E2}" type="slidenum">
               <a:rPr lang="zh-CN" altLang="en-US" smtClean="0"/>
-              <a:t>‹#›</a:t>
             </a:fld>
             <a:endParaRPr lang="zh-CN" altLang="en-US"/>
           </a:p>
         </p:txBody>
       </p:sp>
     </p:spTree>
-    <p:extLst>
-      <p:ext uri="{BB962C8B-B14F-4D97-AF65-F5344CB8AC3E}">
-        <p14:creationId xmlns:p14="http://schemas.microsoft.com/office/powerpoint/2010/main" val="2354423122"/>
-      </p:ext>
-    </p:extLst>
   </p:cSld>
   <p:clrMapOvr>
     <a:masterClrMapping/>
@@ -1822,7 +2142,6 @@
           <a:p>
             <a:fld id="{9F648546-D93D-4394-A567-F8CA33CCA7E6}" type="datetimeFigureOut">
               <a:rPr lang="zh-CN" altLang="en-US" smtClean="0"/>
-              <a:t>2017/7/31</a:t>
             </a:fld>
             <a:endParaRPr lang="zh-CN" altLang="en-US"/>
           </a:p>
@@ -1864,18 +2183,12 @@
           <a:p>
             <a:fld id="{8F02D98E-7E38-4F61-B3D1-5BD40E4751E2}" type="slidenum">
               <a:rPr lang="zh-CN" altLang="en-US" smtClean="0"/>
-              <a:t>‹#›</a:t>
             </a:fld>
             <a:endParaRPr lang="zh-CN" altLang="en-US"/>
           </a:p>
         </p:txBody>
       </p:sp>
     </p:spTree>
-    <p:extLst>
-      <p:ext uri="{BB962C8B-B14F-4D97-AF65-F5344CB8AC3E}">
-        <p14:creationId xmlns:p14="http://schemas.microsoft.com/office/powerpoint/2010/main" val="378878076"/>
-      </p:ext>
-    </p:extLst>
   </p:cSld>
   <p:clrMapOvr>
     <a:masterClrMapping/>
@@ -1985,6 +2298,7 @@
               <a:rPr lang="zh-CN" altLang="en-US" smtClean="0"/>
               <a:t>单击此处编辑母版文本样式</a:t>
             </a:r>
+            <a:endParaRPr lang="zh-CN" altLang="en-US" smtClean="0"/>
           </a:p>
           <a:p>
             <a:pPr lvl="1"/>
@@ -1992,6 +2306,7 @@
               <a:rPr lang="zh-CN" altLang="en-US" smtClean="0"/>
               <a:t>第二级</a:t>
             </a:r>
+            <a:endParaRPr lang="zh-CN" altLang="en-US" smtClean="0"/>
           </a:p>
           <a:p>
             <a:pPr lvl="2"/>
@@ -1999,6 +2314,7 @@
               <a:rPr lang="zh-CN" altLang="en-US" smtClean="0"/>
               <a:t>第三级</a:t>
             </a:r>
+            <a:endParaRPr lang="zh-CN" altLang="en-US" smtClean="0"/>
           </a:p>
           <a:p>
             <a:pPr lvl="3"/>
@@ -2006,6 +2322,7 @@
               <a:rPr lang="zh-CN" altLang="en-US" smtClean="0"/>
               <a:t>第四级</a:t>
             </a:r>
+            <a:endParaRPr lang="zh-CN" altLang="en-US" smtClean="0"/>
           </a:p>
           <a:p>
             <a:pPr lvl="4"/>
@@ -2079,6 +2396,7 @@
               <a:rPr lang="zh-CN" altLang="en-US" smtClean="0"/>
               <a:t>单击此处编辑母版文本样式</a:t>
             </a:r>
+            <a:endParaRPr lang="zh-CN" altLang="en-US" smtClean="0"/>
           </a:p>
         </p:txBody>
       </p:sp>
@@ -2099,7 +2417,6 @@
           <a:p>
             <a:fld id="{9F648546-D93D-4394-A567-F8CA33CCA7E6}" type="datetimeFigureOut">
               <a:rPr lang="zh-CN" altLang="en-US" smtClean="0"/>
-              <a:t>2017/7/31</a:t>
             </a:fld>
             <a:endParaRPr lang="zh-CN" altLang="en-US"/>
           </a:p>
@@ -2141,18 +2458,12 @@
           <a:p>
             <a:fld id="{8F02D98E-7E38-4F61-B3D1-5BD40E4751E2}" type="slidenum">
               <a:rPr lang="zh-CN" altLang="en-US" smtClean="0"/>
-              <a:t>‹#›</a:t>
             </a:fld>
             <a:endParaRPr lang="zh-CN" altLang="en-US"/>
           </a:p>
         </p:txBody>
       </p:sp>
     </p:spTree>
-    <p:extLst>
-      <p:ext uri="{BB962C8B-B14F-4D97-AF65-F5344CB8AC3E}">
-        <p14:creationId xmlns:p14="http://schemas.microsoft.com/office/powerpoint/2010/main" val="1780563029"/>
-      </p:ext>
-    </p:extLst>
   </p:cSld>
   <p:clrMapOvr>
     <a:masterClrMapping/>
@@ -2332,6 +2643,7 @@
               <a:rPr lang="zh-CN" altLang="en-US" smtClean="0"/>
               <a:t>单击此处编辑母版文本样式</a:t>
             </a:r>
+            <a:endParaRPr lang="zh-CN" altLang="en-US" smtClean="0"/>
           </a:p>
         </p:txBody>
       </p:sp>
@@ -2352,7 +2664,6 @@
           <a:p>
             <a:fld id="{9F648546-D93D-4394-A567-F8CA33CCA7E6}" type="datetimeFigureOut">
               <a:rPr lang="zh-CN" altLang="en-US" smtClean="0"/>
-              <a:t>2017/7/31</a:t>
             </a:fld>
             <a:endParaRPr lang="zh-CN" altLang="en-US"/>
           </a:p>
@@ -2394,18 +2705,12 @@
           <a:p>
             <a:fld id="{8F02D98E-7E38-4F61-B3D1-5BD40E4751E2}" type="slidenum">
               <a:rPr lang="zh-CN" altLang="en-US" smtClean="0"/>
-              <a:t>‹#›</a:t>
             </a:fld>
             <a:endParaRPr lang="zh-CN" altLang="en-US"/>
           </a:p>
         </p:txBody>
       </p:sp>
     </p:spTree>
-    <p:extLst>
-      <p:ext uri="{BB962C8B-B14F-4D97-AF65-F5344CB8AC3E}">
-        <p14:creationId xmlns:p14="http://schemas.microsoft.com/office/powerpoint/2010/main" val="3972999256"/>
-      </p:ext>
-    </p:extLst>
   </p:cSld>
   <p:clrMapOvr>
     <a:masterClrMapping/>
@@ -2498,6 +2803,7 @@
               <a:rPr lang="zh-CN" altLang="en-US" smtClean="0"/>
               <a:t>单击此处编辑母版文本样式</a:t>
             </a:r>
+            <a:endParaRPr lang="zh-CN" altLang="en-US" smtClean="0"/>
           </a:p>
           <a:p>
             <a:pPr lvl="1"/>
@@ -2505,6 +2811,7 @@
               <a:rPr lang="zh-CN" altLang="en-US" smtClean="0"/>
               <a:t>第二级</a:t>
             </a:r>
+            <a:endParaRPr lang="zh-CN" altLang="en-US" smtClean="0"/>
           </a:p>
           <a:p>
             <a:pPr lvl="2"/>
@@ -2512,6 +2819,7 @@
               <a:rPr lang="zh-CN" altLang="en-US" smtClean="0"/>
               <a:t>第三级</a:t>
             </a:r>
+            <a:endParaRPr lang="zh-CN" altLang="en-US" smtClean="0"/>
           </a:p>
           <a:p>
             <a:pPr lvl="3"/>
@@ -2519,6 +2827,7 @@
               <a:rPr lang="zh-CN" altLang="en-US" smtClean="0"/>
               <a:t>第四级</a:t>
             </a:r>
+            <a:endParaRPr lang="zh-CN" altLang="en-US" smtClean="0"/>
           </a:p>
           <a:p>
             <a:pPr lvl="4"/>
@@ -2565,7 +2874,6 @@
           <a:p>
             <a:fld id="{9F648546-D93D-4394-A567-F8CA33CCA7E6}" type="datetimeFigureOut">
               <a:rPr lang="zh-CN" altLang="en-US" smtClean="0"/>
-              <a:t>2017/7/31</a:t>
             </a:fld>
             <a:endParaRPr lang="zh-CN" altLang="en-US"/>
           </a:p>
@@ -2643,18 +2951,12 @@
           <a:p>
             <a:fld id="{8F02D98E-7E38-4F61-B3D1-5BD40E4751E2}" type="slidenum">
               <a:rPr lang="zh-CN" altLang="en-US" smtClean="0"/>
-              <a:t>‹#›</a:t>
             </a:fld>
             <a:endParaRPr lang="zh-CN" altLang="en-US"/>
           </a:p>
         </p:txBody>
       </p:sp>
     </p:spTree>
-    <p:extLst>
-      <p:ext uri="{BB962C8B-B14F-4D97-AF65-F5344CB8AC3E}">
-        <p14:creationId xmlns:p14="http://schemas.microsoft.com/office/powerpoint/2010/main" val="3604599862"/>
-      </p:ext>
-    </p:extLst>
   </p:cSld>
   <p:clrMap bg1="lt1" tx1="dk1" bg2="lt2" tx2="dk2" accent1="accent1" accent2="accent2" accent3="accent3" accent4="accent4" accent5="accent5" accent6="accent6" hlink="hlink" folHlink="folHlink"/>
   <p:sldLayoutIdLst>
@@ -3084,7 +3386,6 @@
           <a:prstGeom prst="rect">
             <a:avLst/>
           </a:prstGeom>
-          <a:ln/>
         </p:spPr>
         <p:style>
           <a:lnRef idx="3">
@@ -3123,13 +3424,12 @@
         </p:nvSpPr>
         <p:spPr>
           <a:xfrm>
-            <a:off x="1470151" y="3174516"/>
+            <a:off x="1470151" y="3164356"/>
             <a:ext cx="5258993" cy="819509"/>
           </a:xfrm>
           <a:prstGeom prst="rect">
             <a:avLst/>
           </a:prstGeom>
-          <a:ln/>
         </p:spPr>
         <p:style>
           <a:lnRef idx="3">
@@ -3647,6 +3947,13 @@
               </a:rPr>
               <a:t>抓拍</a:t>
             </a:r>
+            <a:endParaRPr lang="zh-CN" altLang="en-US" sz="1000" dirty="0">
+              <a:solidFill>
+                <a:schemeClr val="bg1"/>
+              </a:solidFill>
+              <a:latin typeface="微软雅黑" panose="020B0503020204020204" pitchFamily="34" charset="-122"/>
+              <a:ea typeface="微软雅黑" panose="020B0503020204020204" pitchFamily="34" charset="-122"/>
+            </a:endParaRPr>
           </a:p>
         </p:txBody>
       </p:sp>
@@ -3696,6 +4003,13 @@
               </a:rPr>
               <a:t>特征提取</a:t>
             </a:r>
+            <a:endParaRPr lang="zh-CN" altLang="en-US" sz="1000" dirty="0">
+              <a:solidFill>
+                <a:schemeClr val="bg1"/>
+              </a:solidFill>
+              <a:latin typeface="微软雅黑" panose="020B0503020204020204" pitchFamily="34" charset="-122"/>
+              <a:ea typeface="微软雅黑" panose="020B0503020204020204" pitchFamily="34" charset="-122"/>
+            </a:endParaRPr>
           </a:p>
         </p:txBody>
       </p:sp>
@@ -3745,6 +4059,13 @@
               </a:rPr>
               <a:t>比对</a:t>
             </a:r>
+            <a:endParaRPr lang="zh-CN" altLang="en-US" sz="1000" dirty="0">
+              <a:solidFill>
+                <a:schemeClr val="bg1"/>
+              </a:solidFill>
+              <a:latin typeface="微软雅黑" panose="020B0503020204020204" pitchFamily="34" charset="-122"/>
+              <a:ea typeface="微软雅黑" panose="020B0503020204020204" pitchFamily="34" charset="-122"/>
+            </a:endParaRPr>
           </a:p>
         </p:txBody>
       </p:sp>
@@ -3916,6 +4237,13 @@
               </a:rPr>
               <a:t>报警处理</a:t>
             </a:r>
+            <a:endParaRPr lang="zh-CN" altLang="en-US" sz="1000" dirty="0">
+              <a:solidFill>
+                <a:schemeClr val="bg1"/>
+              </a:solidFill>
+              <a:latin typeface="微软雅黑" panose="020B0503020204020204" pitchFamily="34" charset="-122"/>
+              <a:ea typeface="微软雅黑" panose="020B0503020204020204" pitchFamily="34" charset="-122"/>
+            </a:endParaRPr>
           </a:p>
         </p:txBody>
       </p:sp>
@@ -5297,6 +5625,10 @@
               </a:rPr>
               <a:t>客户端</a:t>
             </a:r>
+            <a:endParaRPr lang="zh-CN" altLang="en-US" sz="1000" dirty="0">
+              <a:latin typeface="微软雅黑" panose="020B0503020204020204" pitchFamily="34" charset="-122"/>
+              <a:ea typeface="微软雅黑" panose="020B0503020204020204" pitchFamily="34" charset="-122"/>
+            </a:endParaRPr>
           </a:p>
         </p:txBody>
       </p:sp>
@@ -5348,6 +5680,10 @@
               </a:rPr>
               <a:t>客户端</a:t>
             </a:r>
+            <a:endParaRPr lang="zh-CN" altLang="en-US" sz="1000" dirty="0">
+              <a:latin typeface="微软雅黑" panose="020B0503020204020204" pitchFamily="34" charset="-122"/>
+              <a:ea typeface="微软雅黑" panose="020B0503020204020204" pitchFamily="34" charset="-122"/>
+            </a:endParaRPr>
           </a:p>
         </p:txBody>
       </p:sp>
@@ -5574,8 +5910,8 @@
         </p:nvSpPr>
         <p:spPr>
           <a:xfrm>
-            <a:off x="3332071" y="456654"/>
-            <a:ext cx="4801314" cy="369332"/>
+            <a:off x="2898088" y="456654"/>
+            <a:ext cx="5669280" cy="368300"/>
           </a:xfrm>
           <a:prstGeom prst="rect">
             <a:avLst/>
@@ -5594,9 +5930,9 @@
                 <a:latin typeface="微软雅黑" panose="020B0503020204020204" pitchFamily="34" charset="-122"/>
                 <a:ea typeface="微软雅黑" panose="020B0503020204020204" pitchFamily="34" charset="-122"/>
               </a:rPr>
-              <a:t>实时预警系统多路一体机实现方案（方案一）</a:t>
-            </a:r>
-            <a:endParaRPr lang="zh-CN" altLang="en-US" dirty="0">
+              <a:t>实时预警系统多路一体机实现方案（方案一）：未通过</a:t>
+            </a:r>
+            <a:endParaRPr lang="zh-CN" altLang="en-US" dirty="0" smtClean="0">
               <a:latin typeface="微软雅黑" panose="020B0503020204020204" pitchFamily="34" charset="-122"/>
               <a:ea typeface="微软雅黑" panose="020B0503020204020204" pitchFamily="34" charset="-122"/>
             </a:endParaRPr>
@@ -7579,11 +7915,6 @@
         </p:txBody>
       </p:sp>
     </p:spTree>
-    <p:extLst>
-      <p:ext uri="{BB962C8B-B14F-4D97-AF65-F5344CB8AC3E}">
-        <p14:creationId xmlns:p14="http://schemas.microsoft.com/office/powerpoint/2010/main" val="4183955685"/>
-      </p:ext>
-    </p:extLst>
   </p:cSld>
   <p:clrMapOvr>
     <a:masterClrMapping/>
@@ -7729,7 +8060,6 @@
           <a:prstGeom prst="rect">
             <a:avLst/>
           </a:prstGeom>
-          <a:ln/>
         </p:spPr>
         <p:style>
           <a:lnRef idx="3">
@@ -7774,7 +8104,6 @@
           <a:prstGeom prst="rect">
             <a:avLst/>
           </a:prstGeom>
-          <a:ln/>
         </p:spPr>
         <p:style>
           <a:lnRef idx="3">
@@ -8157,6 +8486,13 @@
               </a:rPr>
               <a:t>抓拍</a:t>
             </a:r>
+            <a:endParaRPr lang="zh-CN" altLang="en-US" sz="1000" dirty="0">
+              <a:solidFill>
+                <a:schemeClr val="bg1"/>
+              </a:solidFill>
+              <a:latin typeface="微软雅黑" panose="020B0503020204020204" pitchFamily="34" charset="-122"/>
+              <a:ea typeface="微软雅黑" panose="020B0503020204020204" pitchFamily="34" charset="-122"/>
+            </a:endParaRPr>
           </a:p>
         </p:txBody>
       </p:sp>
@@ -8206,6 +8542,13 @@
               </a:rPr>
               <a:t>特征提取</a:t>
             </a:r>
+            <a:endParaRPr lang="zh-CN" altLang="en-US" sz="1000" dirty="0">
+              <a:solidFill>
+                <a:schemeClr val="bg1"/>
+              </a:solidFill>
+              <a:latin typeface="微软雅黑" panose="020B0503020204020204" pitchFamily="34" charset="-122"/>
+              <a:ea typeface="微软雅黑" panose="020B0503020204020204" pitchFamily="34" charset="-122"/>
+            </a:endParaRPr>
           </a:p>
         </p:txBody>
       </p:sp>
@@ -8255,6 +8598,13 @@
               </a:rPr>
               <a:t>比对</a:t>
             </a:r>
+            <a:endParaRPr lang="zh-CN" altLang="en-US" sz="1000" dirty="0">
+              <a:solidFill>
+                <a:schemeClr val="bg1"/>
+              </a:solidFill>
+              <a:latin typeface="微软雅黑" panose="020B0503020204020204" pitchFamily="34" charset="-122"/>
+              <a:ea typeface="微软雅黑" panose="020B0503020204020204" pitchFamily="34" charset="-122"/>
+            </a:endParaRPr>
           </a:p>
         </p:txBody>
       </p:sp>
@@ -8426,6 +8776,13 @@
               </a:rPr>
               <a:t>报警处理</a:t>
             </a:r>
+            <a:endParaRPr lang="zh-CN" altLang="en-US" sz="1000" dirty="0">
+              <a:solidFill>
+                <a:schemeClr val="bg1"/>
+              </a:solidFill>
+              <a:latin typeface="微软雅黑" panose="020B0503020204020204" pitchFamily="34" charset="-122"/>
+              <a:ea typeface="微软雅黑" panose="020B0503020204020204" pitchFamily="34" charset="-122"/>
+            </a:endParaRPr>
           </a:p>
         </p:txBody>
       </p:sp>
@@ -9732,6 +10089,10 @@
               </a:rPr>
               <a:t>客户端</a:t>
             </a:r>
+            <a:endParaRPr lang="zh-CN" altLang="en-US" sz="1000" dirty="0">
+              <a:latin typeface="微软雅黑" panose="020B0503020204020204" pitchFamily="34" charset="-122"/>
+              <a:ea typeface="微软雅黑" panose="020B0503020204020204" pitchFamily="34" charset="-122"/>
+            </a:endParaRPr>
           </a:p>
         </p:txBody>
       </p:sp>
@@ -9783,6 +10144,10 @@
               </a:rPr>
               <a:t>客户端</a:t>
             </a:r>
+            <a:endParaRPr lang="zh-CN" altLang="en-US" sz="1000" dirty="0">
+              <a:latin typeface="微软雅黑" panose="020B0503020204020204" pitchFamily="34" charset="-122"/>
+              <a:ea typeface="微软雅黑" panose="020B0503020204020204" pitchFamily="34" charset="-122"/>
+            </a:endParaRPr>
           </a:p>
         </p:txBody>
       </p:sp>
@@ -10009,8 +10374,8 @@
         </p:nvSpPr>
         <p:spPr>
           <a:xfrm>
-            <a:off x="3337676" y="456654"/>
-            <a:ext cx="4790094" cy="369332"/>
+            <a:off x="2898083" y="456654"/>
+            <a:ext cx="5669280" cy="368300"/>
           </a:xfrm>
           <a:prstGeom prst="rect">
             <a:avLst/>
@@ -10043,9 +10408,9 @@
                 <a:latin typeface="微软雅黑" panose="020B0503020204020204" pitchFamily="34" charset="-122"/>
                 <a:ea typeface="微软雅黑" panose="020B0503020204020204" pitchFamily="34" charset="-122"/>
               </a:rPr>
-              <a:t>方案二）</a:t>
-            </a:r>
-            <a:endParaRPr lang="zh-CN" altLang="en-US" dirty="0">
+              <a:t>方案二）：未通过</a:t>
+            </a:r>
+            <a:endParaRPr lang="zh-CN" altLang="en-US" dirty="0" smtClean="0">
               <a:latin typeface="微软雅黑" panose="020B0503020204020204" pitchFamily="34" charset="-122"/>
               <a:ea typeface="微软雅黑" panose="020B0503020204020204" pitchFamily="34" charset="-122"/>
             </a:endParaRPr>
@@ -11864,11 +12229,6 @@
         </p:style>
       </p:cxnSp>
     </p:spTree>
-    <p:extLst>
-      <p:ext uri="{BB962C8B-B14F-4D97-AF65-F5344CB8AC3E}">
-        <p14:creationId xmlns:p14="http://schemas.microsoft.com/office/powerpoint/2010/main" val="942010447"/>
-      </p:ext>
-    </p:extLst>
   </p:cSld>
   <p:clrMapOvr>
     <a:masterClrMapping/>
@@ -11926,7 +12286,7 @@
     </a:clrScheme>
     <a:fontScheme name="Office">
       <a:majorFont>
-        <a:latin typeface="Calibri Light" panose="020F0302020204030204"/>
+        <a:latin typeface="Calibri Light"/>
         <a:ea typeface=""/>
         <a:cs typeface=""/>
         <a:font script="Jpan" typeface="ＭＳ Ｐゴシック"/>
@@ -11961,7 +12321,7 @@
         <a:font script="Geor" typeface="Sylfaen"/>
       </a:majorFont>
       <a:minorFont>
-        <a:latin typeface="Calibri" panose="020F0502020204030204"/>
+        <a:latin typeface="Calibri"/>
         <a:ea typeface=""/>
         <a:cs typeface=""/>
         <a:font script="Jpan" typeface="ＭＳ Ｐゴシック"/>
@@ -12134,8 +12494,265 @@
       </a:bgFillStyleLst>
     </a:fmtScheme>
   </a:themeElements>
-  <a:objectDefaults/>
-  <a:extraClrSchemeLst/>
+  <a:extLst>
+    <a:ext uri="{05A4C25C-085E-4340-85A3-A5531E510DB2}">
+      <thm15:themeFamily xmlns:thm15="http://schemas.microsoft.com/office/thememl/2012/main" name="Office Theme" id="{62F939B6-93AF-4DB8-9C6B-D6C7DFDC589F}" vid="{4A3C46E8-61CC-4603-A589-7422A47A8E4A}"/>
+    </a:ext>
+  </a:extLst>
+</a:theme>
+</file>
+
+<file path=ppt/theme/theme2.xml><?xml version="1.0" encoding="utf-8"?>
+<a:theme xmlns:a="http://schemas.openxmlformats.org/drawingml/2006/main" name="Office 主题">
+  <a:themeElements>
+    <a:clrScheme name="Office">
+      <a:dk1>
+        <a:sysClr val="windowText" lastClr="000000"/>
+      </a:dk1>
+      <a:lt1>
+        <a:sysClr val="window" lastClr="FFFFFF"/>
+      </a:lt1>
+      <a:dk2>
+        <a:srgbClr val="44546A"/>
+      </a:dk2>
+      <a:lt2>
+        <a:srgbClr val="E7E6E6"/>
+      </a:lt2>
+      <a:accent1>
+        <a:srgbClr val="5B9BD5"/>
+      </a:accent1>
+      <a:accent2>
+        <a:srgbClr val="ED7D31"/>
+      </a:accent2>
+      <a:accent3>
+        <a:srgbClr val="A5A5A5"/>
+      </a:accent3>
+      <a:accent4>
+        <a:srgbClr val="FFC000"/>
+      </a:accent4>
+      <a:accent5>
+        <a:srgbClr val="4472C4"/>
+      </a:accent5>
+      <a:accent6>
+        <a:srgbClr val="70AD47"/>
+      </a:accent6>
+      <a:hlink>
+        <a:srgbClr val="0563C1"/>
+      </a:hlink>
+      <a:folHlink>
+        <a:srgbClr val="954F72"/>
+      </a:folHlink>
+    </a:clrScheme>
+    <a:fontScheme name="Office">
+      <a:majorFont>
+        <a:latin typeface="Calibri Light"/>
+        <a:ea typeface=""/>
+        <a:cs typeface=""/>
+        <a:font script="Jpan" typeface="ＭＳ Ｐゴシック"/>
+        <a:font script="Hang" typeface="맑은 고딕"/>
+        <a:font script="Hans" typeface="宋体"/>
+        <a:font script="Hant" typeface="新細明體"/>
+        <a:font script="Arab" typeface="Times New Roman"/>
+        <a:font script="Hebr" typeface="Times New Roman"/>
+        <a:font script="Thai" typeface="Angsana New"/>
+        <a:font script="Ethi" typeface="Nyala"/>
+        <a:font script="Beng" typeface="Vrinda"/>
+        <a:font script="Gujr" typeface="Shruti"/>
+        <a:font script="Khmr" typeface="MoolBoran"/>
+        <a:font script="Knda" typeface="Tunga"/>
+        <a:font script="Guru" typeface="Raavi"/>
+        <a:font script="Cans" typeface="Euphemia"/>
+        <a:font script="Cher" typeface="Plantagenet Cherokee"/>
+        <a:font script="Yiii" typeface="Microsoft Yi Baiti"/>
+        <a:font script="Tibt" typeface="Microsoft Himalaya"/>
+        <a:font script="Thaa" typeface="MV Boli"/>
+        <a:font script="Deva" typeface="Mangal"/>
+        <a:font script="Telu" typeface="Gautami"/>
+        <a:font script="Taml" typeface="Latha"/>
+        <a:font script="Syrc" typeface="Estrangelo Edessa"/>
+        <a:font script="Orya" typeface="Kalinga"/>
+        <a:font script="Mlym" typeface="Kartika"/>
+        <a:font script="Laoo" typeface="DokChampa"/>
+        <a:font script="Sinh" typeface="Iskoola Pota"/>
+        <a:font script="Mong" typeface="Mongolian Baiti"/>
+        <a:font script="Viet" typeface="Times New Roman"/>
+        <a:font script="Uigh" typeface="Microsoft Uighur"/>
+        <a:font script="Geor" typeface="Sylfaen"/>
+      </a:majorFont>
+      <a:minorFont>
+        <a:latin typeface="Calibri"/>
+        <a:ea typeface=""/>
+        <a:cs typeface=""/>
+        <a:font script="Jpan" typeface="ＭＳ Ｐゴシック"/>
+        <a:font script="Hang" typeface="맑은 고딕"/>
+        <a:font script="Hans" typeface="宋体"/>
+        <a:font script="Hant" typeface="新細明體"/>
+        <a:font script="Arab" typeface="Arial"/>
+        <a:font script="Hebr" typeface="Arial"/>
+        <a:font script="Thai" typeface="Cordia New"/>
+        <a:font script="Ethi" typeface="Nyala"/>
+        <a:font script="Beng" typeface="Vrinda"/>
+        <a:font script="Gujr" typeface="Shruti"/>
+        <a:font script="Khmr" typeface="DaunPenh"/>
+        <a:font script="Knda" typeface="Tunga"/>
+        <a:font script="Guru" typeface="Raavi"/>
+        <a:font script="Cans" typeface="Euphemia"/>
+        <a:font script="Cher" typeface="Plantagenet Cherokee"/>
+        <a:font script="Yiii" typeface="Microsoft Yi Baiti"/>
+        <a:font script="Tibt" typeface="Microsoft Himalaya"/>
+        <a:font script="Thaa" typeface="MV Boli"/>
+        <a:font script="Deva" typeface="Mangal"/>
+        <a:font script="Telu" typeface="Gautami"/>
+        <a:font script="Taml" typeface="Latha"/>
+        <a:font script="Syrc" typeface="Estrangelo Edessa"/>
+        <a:font script="Orya" typeface="Kalinga"/>
+        <a:font script="Mlym" typeface="Kartika"/>
+        <a:font script="Laoo" typeface="DokChampa"/>
+        <a:font script="Sinh" typeface="Iskoola Pota"/>
+        <a:font script="Mong" typeface="Mongolian Baiti"/>
+        <a:font script="Viet" typeface="Arial"/>
+        <a:font script="Uigh" typeface="Microsoft Uighur"/>
+        <a:font script="Geor" typeface="Sylfaen"/>
+      </a:minorFont>
+    </a:fontScheme>
+    <a:fmtScheme name="Office">
+      <a:fillStyleLst>
+        <a:solidFill>
+          <a:schemeClr val="phClr"/>
+        </a:solidFill>
+        <a:gradFill rotWithShape="1">
+          <a:gsLst>
+            <a:gs pos="0">
+              <a:schemeClr val="phClr">
+                <a:lumMod val="110000"/>
+                <a:satMod val="105000"/>
+                <a:tint val="67000"/>
+              </a:schemeClr>
+            </a:gs>
+            <a:gs pos="50000">
+              <a:schemeClr val="phClr">
+                <a:lumMod val="105000"/>
+                <a:satMod val="103000"/>
+                <a:tint val="73000"/>
+              </a:schemeClr>
+            </a:gs>
+            <a:gs pos="100000">
+              <a:schemeClr val="phClr">
+                <a:lumMod val="105000"/>
+                <a:satMod val="109000"/>
+                <a:tint val="81000"/>
+              </a:schemeClr>
+            </a:gs>
+          </a:gsLst>
+          <a:lin ang="5400000" scaled="0"/>
+        </a:gradFill>
+        <a:gradFill rotWithShape="1">
+          <a:gsLst>
+            <a:gs pos="0">
+              <a:schemeClr val="phClr">
+                <a:satMod val="103000"/>
+                <a:lumMod val="102000"/>
+                <a:tint val="94000"/>
+              </a:schemeClr>
+            </a:gs>
+            <a:gs pos="50000">
+              <a:schemeClr val="phClr">
+                <a:satMod val="110000"/>
+                <a:lumMod val="100000"/>
+                <a:shade val="100000"/>
+              </a:schemeClr>
+            </a:gs>
+            <a:gs pos="100000">
+              <a:schemeClr val="phClr">
+                <a:lumMod val="99000"/>
+                <a:satMod val="120000"/>
+                <a:shade val="78000"/>
+              </a:schemeClr>
+            </a:gs>
+          </a:gsLst>
+          <a:lin ang="5400000" scaled="0"/>
+        </a:gradFill>
+      </a:fillStyleLst>
+      <a:lnStyleLst>
+        <a:ln w="6350" cap="flat" cmpd="sng" algn="ctr">
+          <a:solidFill>
+            <a:schemeClr val="phClr"/>
+          </a:solidFill>
+          <a:prstDash val="solid"/>
+          <a:miter lim="800000"/>
+        </a:ln>
+        <a:ln w="12700" cap="flat" cmpd="sng" algn="ctr">
+          <a:solidFill>
+            <a:schemeClr val="phClr"/>
+          </a:solidFill>
+          <a:prstDash val="solid"/>
+          <a:miter lim="800000"/>
+        </a:ln>
+        <a:ln w="19050" cap="flat" cmpd="sng" algn="ctr">
+          <a:solidFill>
+            <a:schemeClr val="phClr"/>
+          </a:solidFill>
+          <a:prstDash val="solid"/>
+          <a:miter lim="800000"/>
+        </a:ln>
+      </a:lnStyleLst>
+      <a:effectStyleLst>
+        <a:effectStyle>
+          <a:effectLst/>
+        </a:effectStyle>
+        <a:effectStyle>
+          <a:effectLst/>
+        </a:effectStyle>
+        <a:effectStyle>
+          <a:effectLst>
+            <a:outerShdw blurRad="57150" dist="19050" dir="5400000" algn="ctr" rotWithShape="0">
+              <a:srgbClr val="000000">
+                <a:alpha val="63000"/>
+              </a:srgbClr>
+            </a:outerShdw>
+          </a:effectLst>
+        </a:effectStyle>
+      </a:effectStyleLst>
+      <a:bgFillStyleLst>
+        <a:solidFill>
+          <a:schemeClr val="phClr"/>
+        </a:solidFill>
+        <a:solidFill>
+          <a:schemeClr val="phClr">
+            <a:tint val="95000"/>
+            <a:satMod val="170000"/>
+          </a:schemeClr>
+        </a:solidFill>
+        <a:gradFill rotWithShape="1">
+          <a:gsLst>
+            <a:gs pos="0">
+              <a:schemeClr val="phClr">
+                <a:tint val="93000"/>
+                <a:satMod val="150000"/>
+                <a:shade val="98000"/>
+                <a:lumMod val="102000"/>
+              </a:schemeClr>
+            </a:gs>
+            <a:gs pos="50000">
+              <a:schemeClr val="phClr">
+                <a:tint val="98000"/>
+                <a:satMod val="130000"/>
+                <a:shade val="90000"/>
+                <a:lumMod val="103000"/>
+              </a:schemeClr>
+            </a:gs>
+            <a:gs pos="100000">
+              <a:schemeClr val="phClr">
+                <a:shade val="63000"/>
+                <a:satMod val="120000"/>
+              </a:schemeClr>
+            </a:gs>
+          </a:gsLst>
+          <a:lin ang="5400000" scaled="0"/>
+        </a:gradFill>
+      </a:bgFillStyleLst>
+    </a:fmtScheme>
+  </a:themeElements>
   <a:extLst>
     <a:ext uri="{05A4C25C-085E-4340-85A3-A5531E510DB2}">
       <thm15:themeFamily xmlns:thm15="http://schemas.microsoft.com/office/thememl/2012/main" name="Office Theme" id="{62F939B6-93AF-4DB8-9C6B-D6C7DFDC589F}" vid="{4A3C46E8-61CC-4603-A589-7422A47A8E4A}"/>
